--- a/slides/1. course mechanics.pptx
+++ b/slides/1. course mechanics.pptx
@@ -1263,11 +1263,7 @@
             <a:pPr eaLnBrk="1" hangingPunct="1"/>
             <a:r>
               <a:rPr lang="en-US" dirty="0" smtClean="0"/>
-              <a:t>WHO project, ICD </a:t>
-            </a:r>
-            <a:r>
-              <a:rPr lang="en-US" dirty="0" smtClean="0"/>
-              <a:t>11, Health informatics</a:t>
+              <a:t>WHO project, ICD 11, Health informatics</a:t>
             </a:r>
           </a:p>
           <a:p>
@@ -1703,7 +1699,7 @@
               <a:pPr>
                 <a:defRPr/>
               </a:pPr>
-              <a:t>6/23/15</a:t>
+              <a:t>6/24/15</a:t>
             </a:fld>
             <a:endParaRPr lang="en-US">
               <a:solidFill>
@@ -1903,7 +1899,7 @@
               <a:pPr>
                 <a:defRPr/>
               </a:pPr>
-              <a:t>6/23/15</a:t>
+              <a:t>6/24/15</a:t>
             </a:fld>
             <a:endParaRPr lang="en-US"/>
           </a:p>
@@ -2105,7 +2101,7 @@
               <a:pPr>
                 <a:defRPr/>
               </a:pPr>
-              <a:t>6/23/15</a:t>
+              <a:t>6/24/15</a:t>
             </a:fld>
             <a:endParaRPr lang="en-US"/>
           </a:p>
@@ -2297,7 +2293,7 @@
               <a:pPr>
                 <a:defRPr/>
               </a:pPr>
-              <a:t>6/23/15</a:t>
+              <a:t>6/24/15</a:t>
             </a:fld>
             <a:endParaRPr lang="en-US"/>
           </a:p>
@@ -2565,7 +2561,7 @@
               <a:pPr>
                 <a:defRPr/>
               </a:pPr>
-              <a:t>6/23/15</a:t>
+              <a:t>6/24/15</a:t>
             </a:fld>
             <a:endParaRPr lang="en-US"/>
           </a:p>
@@ -2875,7 +2871,7 @@
               <a:pPr>
                 <a:defRPr/>
               </a:pPr>
-              <a:t>6/23/15</a:t>
+              <a:t>6/24/15</a:t>
             </a:fld>
             <a:endParaRPr lang="en-US"/>
           </a:p>
@@ -3319,7 +3315,7 @@
               <a:pPr>
                 <a:defRPr/>
               </a:pPr>
-              <a:t>6/23/15</a:t>
+              <a:t>6/24/15</a:t>
             </a:fld>
             <a:endParaRPr lang="en-US"/>
           </a:p>
@@ -3459,7 +3455,7 @@
               <a:pPr>
                 <a:defRPr/>
               </a:pPr>
-              <a:t>6/23/15</a:t>
+              <a:t>6/24/15</a:t>
             </a:fld>
             <a:endParaRPr lang="en-US"/>
           </a:p>
@@ -3576,7 +3572,7 @@
               <a:pPr>
                 <a:defRPr/>
               </a:pPr>
-              <a:t>6/23/15</a:t>
+              <a:t>6/24/15</a:t>
             </a:fld>
             <a:endParaRPr lang="en-US"/>
           </a:p>
@@ -3875,7 +3871,7 @@
               <a:pPr>
                 <a:defRPr/>
               </a:pPr>
-              <a:t>6/23/15</a:t>
+              <a:t>6/24/15</a:t>
             </a:fld>
             <a:endParaRPr lang="en-US"/>
           </a:p>
@@ -4153,7 +4149,7 @@
               <a:pPr>
                 <a:defRPr/>
               </a:pPr>
-              <a:t>6/23/15</a:t>
+              <a:t>6/24/15</a:t>
             </a:fld>
             <a:endParaRPr lang="en-US">
               <a:solidFill>
@@ -4411,7 +4407,7 @@
               <a:pPr>
                 <a:defRPr/>
               </a:pPr>
-              <a:t>6/23/15</a:t>
+              <a:t>6/24/15</a:t>
             </a:fld>
             <a:endParaRPr lang="en-US" sz="1000"/>
           </a:p>
@@ -5031,23 +5027,7 @@
                   <a:srgbClr val="CC3300"/>
                 </a:solidFill>
               </a:rPr>
-              <a:t>A Short Course,</a:t>
-            </a:r>
-            <a:r>
-              <a:rPr lang="en-US" sz="2400" dirty="0" smtClean="0">
-                <a:solidFill>
-                  <a:srgbClr val="CC3300"/>
-                </a:solidFill>
-              </a:rPr>
-              <a:t> University of Zurich</a:t>
-            </a:r>
-            <a:r>
-              <a:rPr lang="en-US" sz="2400" dirty="0" smtClean="0">
-                <a:solidFill>
-                  <a:srgbClr val="CC3300"/>
-                </a:solidFill>
-              </a:rPr>
-              <a:t>, June 25</a:t>
+              <a:t>A Short Course, University of Zurich, June 25</a:t>
             </a:r>
             <a:r>
               <a:rPr lang="en-US" sz="2400" baseline="30000" dirty="0" smtClean="0">
@@ -5383,11 +5363,7 @@
             </a:pPr>
             <a:r>
               <a:rPr lang="en-US" sz="2400" i="1" dirty="0" smtClean="0"/>
-              <a:t>You will present these later today, and other students will comment on </a:t>
-            </a:r>
-            <a:r>
-              <a:rPr lang="en-US" sz="2400" i="1" dirty="0" smtClean="0"/>
-              <a:t>them on </a:t>
+              <a:t>You will present these later today, and other students will comment on them on </a:t>
             </a:r>
             <a:r>
               <a:rPr lang="en-US" sz="2400" i="1" dirty="0" err="1" smtClean="0"/>
@@ -5450,11 +5426,7 @@
           <a:p>
             <a:r>
               <a:rPr lang="en-US" dirty="0" smtClean="0"/>
-              <a:t>Theories used for group activity </a:t>
-            </a:r>
-            <a:r>
-              <a:rPr lang="en-US" dirty="0" smtClean="0"/>
-              <a:t>(presented after the break)</a:t>
+              <a:t>Theories used for group activity (presented after the break)</a:t>
             </a:r>
             <a:endParaRPr lang="en-US" dirty="0"/>
           </a:p>
@@ -5542,11 +5514,7 @@
           <a:p>
             <a:r>
               <a:rPr lang="en-US" dirty="0" smtClean="0"/>
-              <a:t>Ambitious</a:t>
-            </a:r>
-            <a:r>
-              <a:rPr lang="en-US" dirty="0" smtClean="0"/>
-              <a:t>!</a:t>
+              <a:t>Ambitious!</a:t>
             </a:r>
             <a:br>
               <a:rPr lang="en-US" dirty="0" smtClean="0"/>
@@ -5679,15 +5647,7 @@
             </a:r>
             <a:r>
               <a:rPr lang="en-US" sz="2400" dirty="0" smtClean="0"/>
-              <a:t>hosts course materials and links to topic summaries and other </a:t>
-            </a:r>
-            <a:r>
-              <a:rPr lang="en-US" sz="2400" dirty="0" smtClean="0"/>
-              <a:t>channels</a:t>
-            </a:r>
-            <a:r>
-              <a:rPr lang="en-US" sz="2400" dirty="0" smtClean="0"/>
-              <a:t> </a:t>
+              <a:t>hosts course materials and links to topic summaries and other channels </a:t>
             </a:r>
             <a:br>
               <a:rPr lang="en-US" sz="2400" dirty="0" smtClean="0"/>
@@ -5696,19 +5656,7 @@
               <a:rPr lang="en-US" sz="2400" dirty="0" smtClean="0">
                 <a:hlinkClick r:id="rId2"/>
               </a:rPr>
-              <a:t>https</a:t>
-            </a:r>
-            <a:r>
-              <a:rPr lang="en-US" sz="2400" dirty="0" smtClean="0">
-                <a:hlinkClick r:id="rId2"/>
-              </a:rPr>
-              <a:t>://github.com/margaretstorey/</a:t>
-            </a:r>
-            <a:r>
-              <a:rPr lang="en-US" sz="2400" dirty="0" smtClean="0">
-                <a:hlinkClick r:id="rId2"/>
-              </a:rPr>
-              <a:t>cscwzurich</a:t>
+              <a:t>https://github.com/margaretstorey/cscwzurich</a:t>
             </a:r>
             <a:r>
               <a:rPr lang="en-US" sz="2400" dirty="0" smtClean="0"/>
@@ -5734,33 +5682,13 @@
             </a:r>
             <a:r>
               <a:rPr lang="en-US" sz="2400" dirty="0" smtClean="0"/>
-              <a:t>blog post for group </a:t>
-            </a:r>
-            <a:r>
-              <a:rPr lang="en-US" sz="2400" dirty="0" smtClean="0"/>
-              <a:t>activity</a:t>
-            </a:r>
-            <a:r>
-              <a:rPr lang="en-US" sz="2400" dirty="0" smtClean="0"/>
-              <a:t> </a:t>
+              <a:t>blog post for group activity </a:t>
             </a:r>
             <a:r>
               <a:rPr lang="en-US" sz="2400" dirty="0" smtClean="0">
                 <a:hlinkClick r:id="rId3"/>
               </a:rPr>
-              <a:t>https</a:t>
-            </a:r>
-            <a:r>
-              <a:rPr lang="en-US" sz="2400" dirty="0" smtClean="0">
-                <a:hlinkClick r:id="rId3"/>
-              </a:rPr>
-              <a:t>://</a:t>
-            </a:r>
-            <a:r>
-              <a:rPr lang="en-US" sz="2400" dirty="0" smtClean="0">
-                <a:hlinkClick r:id="rId3"/>
-              </a:rPr>
-              <a:t>cscwzurich.wordpress.com</a:t>
+              <a:t>https://cscwzurich.wordpress.com</a:t>
             </a:r>
             <a:r>
               <a:rPr lang="en-US" sz="2400" dirty="0" smtClean="0"/>
@@ -5778,23 +5706,7 @@
             </a:r>
             <a:r>
               <a:rPr lang="en-US" sz="2400" dirty="0" smtClean="0"/>
-              <a:t>to store topic summaries</a:t>
-            </a:r>
-            <a:r>
-              <a:rPr lang="en-US" sz="2400" dirty="0" smtClean="0"/>
-              <a:t> by </a:t>
-            </a:r>
-            <a:r>
-              <a:rPr lang="en-US" sz="2400" dirty="0" smtClean="0"/>
-              <a:t>each </a:t>
-            </a:r>
-            <a:r>
-              <a:rPr lang="en-US" sz="2400" dirty="0" smtClean="0"/>
-              <a:t>group (we will add links to </a:t>
-            </a:r>
-            <a:r>
-              <a:rPr lang="en-US" sz="2400" dirty="0" smtClean="0"/>
-              <a:t>Slack on each channel and later to </a:t>
+              <a:t>to store topic summaries by each group (we will add links to Slack on each channel and later to </a:t>
             </a:r>
             <a:r>
               <a:rPr lang="en-US" sz="2400" dirty="0" err="1" smtClean="0"/>
@@ -5804,7 +5716,6 @@
               <a:rPr lang="en-US" sz="2400" dirty="0" smtClean="0"/>
               <a:t>)</a:t>
             </a:r>
-            <a:endParaRPr lang="en-US" sz="2400" dirty="0" smtClean="0"/>
           </a:p>
           <a:p>
             <a:r>
@@ -5817,15 +5728,27 @@
             </a:r>
             <a:r>
               <a:rPr lang="en-US" sz="2400" dirty="0" smtClean="0"/>
-              <a:t> will be used </a:t>
+              <a:t> will be used throughout the day for ongoing discussion and to discuss ongoing tasks (central for today</a:t>
             </a:r>
             <a:r>
               <a:rPr lang="en-US" sz="2400" dirty="0" smtClean="0"/>
-              <a:t>throughout the day for ongoing discussion and to discuss ongoing </a:t>
+              <a:t>) </a:t>
+            </a:r>
+            <a:r>
+              <a:rPr lang="en-US" sz="2400" dirty="0" smtClean="0">
+                <a:hlinkClick r:id="rId4"/>
+              </a:rPr>
+              <a:t>https://cscwzurich.slack.com</a:t>
+            </a:r>
+            <a:r>
+              <a:rPr lang="en-US" sz="2400" dirty="0" smtClean="0">
+                <a:hlinkClick r:id="rId4"/>
+              </a:rPr>
+              <a:t>/</a:t>
             </a:r>
             <a:r>
               <a:rPr lang="en-US" sz="2400" dirty="0" smtClean="0"/>
-              <a:t>tasks (central for today)</a:t>
+              <a:t> </a:t>
             </a:r>
           </a:p>
           <a:p>
@@ -5843,21 +5766,16 @@
             </a:r>
             <a:r>
               <a:rPr lang="en-US" sz="2400" dirty="0" smtClean="0"/>
-              <a:t> to </a:t>
-            </a:r>
-            <a:r>
-              <a:rPr lang="en-US" sz="2400" dirty="0" smtClean="0"/>
-              <a:t>keep track of</a:t>
-            </a:r>
-            <a:r>
-              <a:rPr lang="en-US" sz="2400" dirty="0" smtClean="0"/>
-              <a:t> group </a:t>
+              <a:t> to keep track of group </a:t>
             </a:r>
             <a:r>
               <a:rPr lang="en-US" sz="2400" dirty="0" err="1" smtClean="0"/>
               <a:t>todo’s</a:t>
             </a:r>
-            <a:endParaRPr lang="en-US" sz="2400" dirty="0" smtClean="0"/>
+            <a:r>
+              <a:rPr lang="en-US" sz="2400" dirty="0" smtClean="0"/>
+              <a:t> </a:t>
+            </a:r>
           </a:p>
           <a:p>
             <a:r>
@@ -6243,14 +6161,7 @@
                 <a:latin typeface="Helvetica Neue Light"/>
                 <a:cs typeface="Helvetica Neue Light"/>
               </a:rPr>
-              <a:t> </a:t>
-            </a:r>
-            <a:r>
-              <a:rPr lang="en-US" sz="2400" dirty="0" smtClean="0">
-                <a:latin typeface="Helvetica Neue Light"/>
-                <a:cs typeface="Helvetica Neue Light"/>
-              </a:rPr>
-              <a:t>two </a:t>
+              <a:t> two </a:t>
             </a:r>
             <a:r>
               <a:rPr lang="en-US" sz="2400" dirty="0" smtClean="0">
@@ -6479,11 +6390,7 @@
           <a:p>
             <a:r>
               <a:rPr lang="en-US" sz="2000" dirty="0" smtClean="0"/>
-              <a:t>2. Introduction </a:t>
-            </a:r>
-            <a:r>
-              <a:rPr lang="en-US" sz="2000" dirty="0" smtClean="0"/>
-              <a:t>&amp; </a:t>
+              <a:t>2. Introduction &amp; </a:t>
             </a:r>
             <a:br>
               <a:rPr lang="en-US" sz="2000" dirty="0" smtClean="0"/>
@@ -6533,11 +6440,7 @@
           <a:p>
             <a:r>
               <a:rPr lang="en-US" sz="2800" dirty="0" smtClean="0"/>
-              <a:t>3. Theories </a:t>
-            </a:r>
-            <a:r>
-              <a:rPr lang="en-US" sz="2800" dirty="0" smtClean="0"/>
-              <a:t>&amp;</a:t>
+              <a:t>3. Theories &amp;</a:t>
             </a:r>
           </a:p>
           <a:p>
@@ -6629,13 +6532,8 @@
           <a:p>
             <a:r>
               <a:rPr lang="en-US" sz="2800" dirty="0" smtClean="0"/>
-              <a:t>4. Techniques </a:t>
-            </a:r>
-            <a:r>
-              <a:rPr lang="en-US" sz="2800" dirty="0" smtClean="0"/>
-              <a:t>&amp;</a:t>
-            </a:r>
-            <a:endParaRPr lang="en-US" sz="2800" dirty="0" smtClean="0"/>
+              <a:t>4. Techniques &amp;</a:t>
+            </a:r>
           </a:p>
           <a:p>
             <a:r>
@@ -6858,11 +6756,7 @@
           <a:p>
             <a:r>
               <a:rPr lang="en-US" dirty="0" smtClean="0"/>
-              <a:t>Time </a:t>
-            </a:r>
-            <a:r>
-              <a:rPr lang="en-US" dirty="0" smtClean="0"/>
-              <a:t>Table (Guide only!)</a:t>
+              <a:t>Time Table (Guide only!)</a:t>
             </a:r>
             <a:endParaRPr lang="en-US" dirty="0"/>
           </a:p>
@@ -6893,23 +6787,7 @@
             </a:pPr>
             <a:r>
               <a:rPr lang="en-US" sz="2400" dirty="0" smtClean="0"/>
-              <a:t>09</a:t>
-            </a:r>
-            <a:r>
-              <a:rPr lang="en-US" sz="2400" dirty="0" smtClean="0"/>
-              <a:t>:00</a:t>
-            </a:r>
-            <a:r>
-              <a:rPr lang="en-US" sz="2400" dirty="0" smtClean="0"/>
-              <a:t> – 9:45		1. Course Mechanics, 2. Intro </a:t>
-            </a:r>
-            <a:r>
-              <a:rPr lang="en-US" sz="2400" dirty="0" smtClean="0"/>
-              <a:t>&amp; </a:t>
-            </a:r>
-            <a:r>
-              <a:rPr lang="en-US" sz="2400" dirty="0" smtClean="0"/>
-              <a:t>Motivation </a:t>
+              <a:t>09:00 – 9:45		1. Course Mechanics, 2. Intro &amp; Motivation </a:t>
             </a:r>
           </a:p>
           <a:p>
@@ -6918,29 +6796,8 @@
             </a:pPr>
             <a:r>
               <a:rPr lang="en-US" sz="2400" dirty="0" smtClean="0"/>
-              <a:t>09</a:t>
-            </a:r>
-            <a:r>
-              <a:rPr lang="en-US" sz="2400" dirty="0" smtClean="0"/>
-              <a:t>:45 </a:t>
-            </a:r>
-            <a:r>
-              <a:rPr lang="en-US" sz="2400" dirty="0" smtClean="0"/>
-              <a:t>–</a:t>
-            </a:r>
-            <a:r>
-              <a:rPr lang="en-US" sz="2400" dirty="0" smtClean="0"/>
-              <a:t> 10:45	Theories: </a:t>
-            </a:r>
-            <a:r>
-              <a:rPr lang="en-US" sz="2400" dirty="0" smtClean="0"/>
-              <a:t>3.1 </a:t>
-            </a:r>
-            <a:r>
-              <a:rPr lang="en-US" sz="2400" dirty="0" smtClean="0"/>
-              <a:t>Distributed Cognition </a:t>
-            </a:r>
-            <a:endParaRPr lang="en-US" sz="2400" dirty="0" smtClean="0"/>
+              <a:t>09:45 – 10:45	Theories: 3.1 Distributed Cognition </a:t>
+            </a:r>
           </a:p>
           <a:p>
             <a:pPr>
@@ -6948,15 +6805,7 @@
             </a:pPr>
             <a:r>
               <a:rPr lang="en-US" sz="2400" i="1" dirty="0" smtClean="0"/>
-              <a:t>10:15 - 10:45</a:t>
-            </a:r>
-            <a:r>
-              <a:rPr lang="en-US" sz="2400" i="1" dirty="0" smtClean="0"/>
-              <a:t>		Coffee </a:t>
-            </a:r>
-            <a:r>
-              <a:rPr lang="en-US" sz="2400" i="1" dirty="0" smtClean="0"/>
-              <a:t>break, form groups	</a:t>
+              <a:t>10:15 - 10:45		Coffee break, form groups	</a:t>
             </a:r>
           </a:p>
           <a:p>
@@ -6965,11 +6814,7 @@
             </a:pPr>
             <a:r>
               <a:rPr lang="en-US" sz="2400" dirty="0" smtClean="0"/>
-              <a:t>10:45 - 12:00</a:t>
-            </a:r>
-            <a:r>
-              <a:rPr lang="en-US" sz="2400" dirty="0" smtClean="0"/>
-              <a:t>		Theories: 3.2 Awareness, </a:t>
+              <a:t>10:45 - 12:00		Theories: 3.2 Awareness, </a:t>
             </a:r>
             <a:br>
               <a:rPr lang="en-US" sz="2400" dirty="0" smtClean="0"/>
@@ -6992,15 +6837,7 @@
             </a:pPr>
             <a:r>
               <a:rPr lang="en-US" sz="2400" i="1" dirty="0" smtClean="0"/>
-              <a:t>12:00 - 13:</a:t>
-            </a:r>
-            <a:r>
-              <a:rPr lang="en-US" sz="2400" i="1" dirty="0" smtClean="0"/>
-              <a:t>00		</a:t>
-            </a:r>
-            <a:r>
-              <a:rPr lang="en-US" sz="2400" i="1" dirty="0" smtClean="0"/>
-              <a:t>Lunch (@</a:t>
+              <a:t>12:00 - 13:00		Lunch (@</a:t>
             </a:r>
             <a:r>
               <a:rPr lang="en-US" sz="2400" i="1" dirty="0" err="1" smtClean="0"/>
@@ -7034,11 +6871,7 @@
             </a:pPr>
             <a:r>
               <a:rPr lang="en-US" sz="2400" dirty="0" smtClean="0"/>
-              <a:t>13:30 -  15:00</a:t>
-            </a:r>
-            <a:r>
-              <a:rPr lang="en-US" sz="2400" dirty="0" smtClean="0"/>
-              <a:t> 	Techniques: 4.1 CSCW Technologies &amp; </a:t>
+              <a:t>13:30 -  15:00 	Techniques: 4.1 CSCW Technologies &amp; </a:t>
             </a:r>
             <a:br>
               <a:rPr lang="en-US" sz="2400" dirty="0" smtClean="0"/>
@@ -7054,15 +6887,7 @@
             </a:pPr>
             <a:r>
               <a:rPr lang="en-US" sz="2400" i="1" dirty="0" smtClean="0"/>
-              <a:t>15:00 - 15:</a:t>
-            </a:r>
-            <a:r>
-              <a:rPr lang="en-US" sz="2400" i="1" dirty="0" smtClean="0"/>
-              <a:t>30		</a:t>
-            </a:r>
-            <a:r>
-              <a:rPr lang="en-US" sz="2400" i="1" dirty="0" smtClean="0"/>
-              <a:t>Coffee break, group work</a:t>
+              <a:t>15:00 - 15:30		Coffee break, group work</a:t>
             </a:r>
             <a:r>
               <a:rPr lang="en-US" sz="2400" dirty="0" smtClean="0"/>
@@ -7075,11 +6900,7 @@
             </a:pPr>
             <a:r>
               <a:rPr lang="en-US" sz="2400" dirty="0" smtClean="0"/>
-              <a:t>15:30 - 14:</a:t>
-            </a:r>
-            <a:r>
-              <a:rPr lang="en-US" sz="2400" dirty="0" smtClean="0"/>
-              <a:t>00		</a:t>
+              <a:t>15:30 - 14:00		</a:t>
             </a:r>
             <a:r>
               <a:rPr lang="en-US" sz="2400" dirty="0" smtClean="0">
@@ -7089,11 +6910,6 @@
               </a:rPr>
               <a:t>Groups report back</a:t>
             </a:r>
-            <a:endParaRPr lang="en-US" sz="2400" dirty="0" smtClean="0">
-              <a:solidFill>
-                <a:srgbClr val="FF0000"/>
-              </a:solidFill>
-            </a:endParaRPr>
           </a:p>
           <a:p>
             <a:pPr>
@@ -7101,27 +6917,7 @@
             </a:pPr>
             <a:r>
               <a:rPr lang="en-US" sz="2400" dirty="0" smtClean="0"/>
-              <a:t>14:00 - </a:t>
-            </a:r>
-            <a:r>
-              <a:rPr lang="en-US" sz="2400" dirty="0" smtClean="0"/>
-              <a:t>17:00</a:t>
-            </a:r>
-            <a:r>
-              <a:rPr lang="en-US" sz="2400" dirty="0" smtClean="0"/>
-              <a:t>		5. Evaluation </a:t>
-            </a:r>
-            <a:r>
-              <a:rPr lang="en-US" sz="2400" dirty="0" smtClean="0"/>
-              <a:t>&amp;</a:t>
-            </a:r>
-            <a:r>
-              <a:rPr lang="en-US" sz="2400" dirty="0" smtClean="0"/>
-              <a:t> 6. Wrap</a:t>
-            </a:r>
-            <a:r>
-              <a:rPr lang="en-US" sz="2400" dirty="0" smtClean="0"/>
-              <a:t>-up</a:t>
+              <a:t>14:00 - 17:00		5. Evaluation &amp; 6. Wrap-up</a:t>
             </a:r>
           </a:p>
           <a:p>
@@ -7417,24 +7213,16 @@
           <a:p>
             <a:r>
               <a:rPr lang="en-US" dirty="0" smtClean="0"/>
-              <a:t>Give your group a </a:t>
-            </a:r>
+              <a:t>Give your group a name, write it on the flip chart with your names</a:t>
+            </a:r>
+          </a:p>
+          <a:p>
+            <a:endParaRPr lang="en-US" dirty="0" smtClean="0"/>
+          </a:p>
+          <a:p>
             <a:r>
               <a:rPr lang="en-US" dirty="0" smtClean="0"/>
-              <a:t>name, write it on the flip chart with your names</a:t>
-            </a:r>
-          </a:p>
-          <a:p>
-            <a:endParaRPr lang="en-US" dirty="0" smtClean="0"/>
-          </a:p>
-          <a:p>
-            <a:r>
-              <a:rPr lang="en-US" dirty="0" smtClean="0"/>
-              <a:t>Each group</a:t>
-            </a:r>
-            <a:r>
-              <a:rPr lang="en-US" dirty="0" smtClean="0"/>
-              <a:t> will: </a:t>
+              <a:t>Each group will: </a:t>
             </a:r>
           </a:p>
           <a:p>
@@ -7444,15 +7232,7 @@
             </a:pPr>
             <a:r>
               <a:rPr lang="en-US" dirty="0" smtClean="0"/>
-              <a:t>Write up a “running summary” for each of the core topics on </a:t>
-            </a:r>
-            <a:r>
-              <a:rPr lang="en-US" dirty="0" smtClean="0"/>
-              <a:t>G</a:t>
-            </a:r>
-            <a:r>
-              <a:rPr lang="en-US" dirty="0" smtClean="0"/>
-              <a:t>oogle docs</a:t>
+              <a:t>Write up a “running summary” for each of the core topics on Google docs</a:t>
             </a:r>
           </a:p>
           <a:p>
@@ -7545,28 +7325,11 @@
               <a:rPr lang="en-US" dirty="0" smtClean="0"/>
               <a:t> used to host the materials</a:t>
             </a:r>
-            <a:endParaRPr lang="en-US" dirty="0" smtClean="0"/>
           </a:p>
           <a:p>
             <a:r>
               <a:rPr lang="en-US" dirty="0" smtClean="0"/>
-              <a:t>We will add links </a:t>
-            </a:r>
-            <a:r>
-              <a:rPr lang="en-US" dirty="0" smtClean="0"/>
-              <a:t>to Google docs (</a:t>
-            </a:r>
-            <a:r>
-              <a:rPr lang="en-US" dirty="0" smtClean="0"/>
-              <a:t>for the </a:t>
-            </a:r>
-            <a:r>
-              <a:rPr lang="en-US" dirty="0" smtClean="0"/>
-              <a:t>topic summaries</a:t>
-            </a:r>
-            <a:r>
-              <a:rPr lang="en-US" dirty="0" smtClean="0"/>
-              <a:t>)</a:t>
+              <a:t>We will add links to Google docs (for the topic summaries)</a:t>
             </a:r>
           </a:p>
           <a:p>
@@ -7651,31 +7414,11 @@
                   <a:srgbClr val="FF0000"/>
                 </a:solidFill>
               </a:rPr>
-              <a:t>Google </a:t>
-            </a:r>
-            <a:r>
-              <a:rPr lang="en-US" dirty="0" smtClean="0">
-                <a:solidFill>
-                  <a:srgbClr val="FF0000"/>
-                </a:solidFill>
-              </a:rPr>
-              <a:t>docs </a:t>
+              <a:t>Google docs </a:t>
             </a:r>
             <a:r>
               <a:rPr lang="en-US" dirty="0" smtClean="0"/>
-              <a:t>– </a:t>
-            </a:r>
-            <a:r>
-              <a:rPr lang="en-US" dirty="0" smtClean="0"/>
-              <a:t>each</a:t>
-            </a:r>
-            <a:r>
-              <a:rPr lang="en-US" dirty="0" smtClean="0"/>
-              <a:t> of the 5 groups </a:t>
-            </a:r>
-            <a:r>
-              <a:rPr lang="en-US" dirty="0" smtClean="0"/>
-              <a:t>will write a summary for each of the main topics discussed today:</a:t>
+              <a:t>– each of the 5 groups will write a summary for each of the main topics discussed today:</a:t>
             </a:r>
           </a:p>
           <a:p>
@@ -7784,11 +7527,7 @@
           <a:p>
             <a:r>
               <a:rPr lang="en-US" dirty="0" smtClean="0"/>
-              <a:t>We will u</a:t>
-            </a:r>
-            <a:r>
-              <a:rPr lang="en-US" dirty="0" smtClean="0"/>
-              <a:t>se</a:t>
+              <a:t>We will use</a:t>
             </a:r>
             <a:r>
               <a:rPr lang="en-US" dirty="0" smtClean="0">
@@ -7796,23 +7535,11 @@
                   <a:srgbClr val="FF0000"/>
                 </a:solidFill>
               </a:rPr>
-              <a:t> </a:t>
-            </a:r>
-            <a:r>
-              <a:rPr lang="en-US" dirty="0" smtClean="0">
-                <a:solidFill>
-                  <a:srgbClr val="FF0000"/>
-                </a:solidFill>
-              </a:rPr>
-              <a:t>Slack </a:t>
+              <a:t> Slack </a:t>
             </a:r>
             <a:r>
               <a:rPr lang="en-US" dirty="0" smtClean="0"/>
-              <a:t>to ask questions, or comment on the discussion that is forming on Google </a:t>
-            </a:r>
-            <a:r>
-              <a:rPr lang="en-US" dirty="0" smtClean="0"/>
-              <a:t>Docs</a:t>
+              <a:t>to ask questions, or comment on the discussion that is forming on Google Docs</a:t>
             </a:r>
           </a:p>
         </p:txBody>

--- a/slides/1. course mechanics.pptx
+++ b/slides/1. course mechanics.pptx
@@ -5728,23 +5728,13 @@
             </a:r>
             <a:r>
               <a:rPr lang="en-US" sz="2400" dirty="0" smtClean="0"/>
-              <a:t> will be used throughout the day for ongoing discussion and to discuss ongoing tasks (central for today</a:t>
-            </a:r>
-            <a:r>
-              <a:rPr lang="en-US" sz="2400" dirty="0" smtClean="0"/>
-              <a:t>) </a:t>
+              <a:t> will be used throughout the day for ongoing discussion and to discuss ongoing tasks (central for today) </a:t>
             </a:r>
             <a:r>
               <a:rPr lang="en-US" sz="2400" dirty="0" smtClean="0">
                 <a:hlinkClick r:id="rId4"/>
               </a:rPr>
-              <a:t>https://cscwzurich.slack.com</a:t>
-            </a:r>
-            <a:r>
-              <a:rPr lang="en-US" sz="2400" dirty="0" smtClean="0">
-                <a:hlinkClick r:id="rId4"/>
-              </a:rPr>
-              <a:t>/</a:t>
+              <a:t>https://cscwzurich.slack.com/</a:t>
             </a:r>
             <a:r>
               <a:rPr lang="en-US" sz="2400" dirty="0" smtClean="0"/>
@@ -6775,7 +6765,7 @@
         <p:spPr>
           <a:xfrm>
             <a:off x="457200" y="1143000"/>
-            <a:ext cx="8686800" cy="4525963"/>
+            <a:ext cx="8686800" cy="5715000"/>
           </a:xfrm>
         </p:spPr>
         <p:txBody>
@@ -6900,7 +6890,15 @@
             </a:pPr>
             <a:r>
               <a:rPr lang="en-US" sz="2400" dirty="0" smtClean="0"/>
-              <a:t>15:30 - 14:00		</a:t>
+              <a:t>15:30 - </a:t>
+            </a:r>
+            <a:r>
+              <a:rPr lang="en-US" sz="2400" dirty="0" smtClean="0"/>
+              <a:t>16:</a:t>
+            </a:r>
+            <a:r>
+              <a:rPr lang="en-US" sz="2400" dirty="0" smtClean="0"/>
+              <a:t>00		</a:t>
             </a:r>
             <a:r>
               <a:rPr lang="en-US" sz="2400" dirty="0" smtClean="0">
@@ -6916,8 +6914,12 @@
               <a:buNone/>
             </a:pPr>
             <a:r>
+              <a:rPr lang="en-US" sz="2400" smtClean="0"/>
+              <a:t>16:</a:t>
+            </a:r>
+            <a:r>
               <a:rPr lang="en-US" sz="2400" dirty="0" smtClean="0"/>
-              <a:t>14:00 - 17:00		5. Evaluation &amp; 6. Wrap-up</a:t>
+              <a:t>00 - 17:00		5. Evaluation &amp; 6. Wrap-up</a:t>
             </a:r>
           </a:p>
           <a:p>

--- a/slides/1. course mechanics.pptx
+++ b/slides/1. course mechanics.pptx
@@ -913,62 +913,7 @@
           <a:lstStyle/>
           <a:p>
             <a:pPr eaLnBrk="1" hangingPunct="1"/>
-            <a:r>
-              <a:rPr lang="en-US"/>
-              <a:t>Show video….? </a:t>
-            </a:r>
-            <a:r>
-              <a:rPr lang="en-US">
-                <a:hlinkClick r:id="rId3"/>
-              </a:rPr>
-              <a:t>http://www.youtube.com/watch?v=dGCJ46vyR9o</a:t>
-            </a:r>
-            <a:r>
-              <a:rPr lang="en-US"/>
-              <a:t>; talk about this also </a:t>
-            </a:r>
-          </a:p>
-          <a:p>
-            <a:pPr eaLnBrk="1" hangingPunct="1"/>
-            <a:r>
-              <a:rPr lang="en-US"/>
-              <a:t>Ken Robinson? </a:t>
-            </a:r>
-            <a:r>
-              <a:rPr lang="en-US">
-                <a:hlinkClick r:id="rId4"/>
-              </a:rPr>
-              <a:t>http://www.youtube.com/watch?v=iG9CE55wbtY</a:t>
-            </a:r>
-            <a:endParaRPr lang="en-US"/>
-          </a:p>
-          <a:p>
-            <a:pPr eaLnBrk="1" hangingPunct="1"/>
-            <a:r>
-              <a:rPr lang="en-US"/>
-              <a:t>Readings for next week.</a:t>
-            </a:r>
-          </a:p>
-          <a:p>
-            <a:pPr eaLnBrk="1" hangingPunct="1"/>
-            <a:r>
-              <a:rPr lang="en-US"/>
-              <a:t>Assignment #1… think about it. </a:t>
-            </a:r>
-          </a:p>
-          <a:p>
-            <a:pPr eaLnBrk="1" hangingPunct="1"/>
-            <a:r>
-              <a:rPr lang="en-US"/>
-              <a:t>Philosophy stuff</a:t>
-            </a:r>
-          </a:p>
-          <a:p>
-            <a:pPr eaLnBrk="1" hangingPunct="1"/>
-            <a:r>
-              <a:rPr lang="en-US"/>
-              <a:t>Add dates to the slides</a:t>
-            </a:r>
+            <a:endParaRPr lang="en-US" dirty="0"/>
           </a:p>
         </p:txBody>
       </p:sp>
@@ -6890,15 +6835,7 @@
             </a:pPr>
             <a:r>
               <a:rPr lang="en-US" sz="2400" dirty="0" smtClean="0"/>
-              <a:t>15:30 - </a:t>
-            </a:r>
-            <a:r>
-              <a:rPr lang="en-US" sz="2400" dirty="0" smtClean="0"/>
-              <a:t>16:</a:t>
-            </a:r>
-            <a:r>
-              <a:rPr lang="en-US" sz="2400" dirty="0" smtClean="0"/>
-              <a:t>00		</a:t>
+              <a:t>15:30 - 16:00		</a:t>
             </a:r>
             <a:r>
               <a:rPr lang="en-US" sz="2400" dirty="0" smtClean="0">
@@ -6914,12 +6851,8 @@
               <a:buNone/>
             </a:pPr>
             <a:r>
-              <a:rPr lang="en-US" sz="2400" smtClean="0"/>
-              <a:t>16:</a:t>
-            </a:r>
-            <a:r>
               <a:rPr lang="en-US" sz="2400" dirty="0" smtClean="0"/>
-              <a:t>00 - 17:00		5. Evaluation &amp; 6. Wrap-up</a:t>
+              <a:t>16:00 - 17:00		5. Evaluation &amp; 6. Wrap-up</a:t>
             </a:r>
           </a:p>
           <a:p>

--- a/slides/1. course mechanics.pptx
+++ b/slides/1. course mechanics.pptx
@@ -5242,8 +5242,21 @@
             </a:pPr>
             <a:r>
               <a:rPr lang="en-US" dirty="0" smtClean="0"/>
-              <a:t>Select and evaluate one of the following 5 systems using one or more of the theories:</a:t>
-            </a:r>
+              <a:t>Select and evaluate one of the following 5 systems using one or more of the </a:t>
+            </a:r>
+            <a:r>
+              <a:rPr lang="en-US" dirty="0" smtClean="0"/>
+              <a:t>theories (awareness, distributed cognition, </a:t>
+            </a:r>
+            <a:r>
+              <a:rPr lang="en-US" dirty="0" err="1" smtClean="0"/>
+              <a:t>MoCA</a:t>
+            </a:r>
+            <a:r>
+              <a:rPr lang="en-US" dirty="0" smtClean="0"/>
+              <a:t>):</a:t>
+            </a:r>
+            <a:endParaRPr lang="en-US" dirty="0" smtClean="0"/>
           </a:p>
           <a:p>
             <a:pPr lvl="1"/>
@@ -5299,8 +5312,21 @@
             </a:r>
             <a:r>
               <a:rPr lang="en-US" sz="2400" i="1" dirty="0" smtClean="0"/>
-              <a:t> (Note I will have to add you to the site later)</a:t>
-            </a:r>
+              <a:t> </a:t>
+            </a:r>
+            <a:r>
+              <a:rPr lang="en-US" sz="2400" i="1" dirty="0" smtClean="0"/>
+              <a:t>(prep it on </a:t>
+            </a:r>
+            <a:r>
+              <a:rPr lang="en-US" sz="2400" i="1" dirty="0" err="1" smtClean="0"/>
+              <a:t>google</a:t>
+            </a:r>
+            <a:r>
+              <a:rPr lang="en-US" sz="2400" i="1" dirty="0" smtClean="0"/>
+              <a:t> docs first)</a:t>
+            </a:r>
+            <a:endParaRPr lang="en-US" sz="2400" i="1" dirty="0" smtClean="0"/>
           </a:p>
           <a:p>
             <a:pPr>
@@ -5334,6 +5360,13 @@
     <a:masterClrMapping/>
   </p:clrMapOvr>
   <p:transition/>
+  <p:timing>
+    <p:tnLst>
+      <p:par>
+        <p:cTn id="1" dur="indefinite" restart="never" nodeType="tmRoot"/>
+      </p:par>
+    </p:tnLst>
+  </p:timing>
 </p:sld>
 </file>
 
@@ -5417,6 +5450,13 @@
   <p:clrMapOvr>
     <a:masterClrMapping/>
   </p:clrMapOvr>
+  <p:timing>
+    <p:tnLst>
+      <p:par>
+        <p:cTn id="1" dur="indefinite" restart="never" nodeType="tmRoot"/>
+      </p:par>
+    </p:tnLst>
+  </p:timing>
 </p:sld>
 </file>
 
@@ -5506,6 +5546,13 @@
   <p:clrMapOvr>
     <a:masterClrMapping/>
   </p:clrMapOvr>
+  <p:timing>
+    <p:tnLst>
+      <p:par>
+        <p:cTn id="1" dur="indefinite" restart="never" nodeType="tmRoot"/>
+      </p:par>
+    </p:tnLst>
+  </p:timing>
 </p:sld>
 </file>
 
@@ -5811,6 +5858,13 @@
   <p:clrMapOvr>
     <a:masterClrMapping/>
   </p:clrMapOvr>
+  <p:timing>
+    <p:tnLst>
+      <p:par>
+        <p:cTn id="1" dur="indefinite" restart="never" nodeType="tmRoot"/>
+      </p:par>
+    </p:tnLst>
+  </p:timing>
 </p:sld>
 </file>
 
@@ -6649,6 +6703,13 @@
   <p:clrMapOvr>
     <a:masterClrMapping/>
   </p:clrMapOvr>
+  <p:timing>
+    <p:tnLst>
+      <p:par>
+        <p:cTn id="1" dur="indefinite" restart="never" nodeType="tmRoot"/>
+      </p:par>
+    </p:tnLst>
+  </p:timing>
 </p:sld>
 </file>
 
@@ -6897,6 +6958,13 @@
   <p:clrMapOvr>
     <a:masterClrMapping/>
   </p:clrMapOvr>
+  <p:timing>
+    <p:tnLst>
+      <p:par>
+        <p:cTn id="1" dur="indefinite" restart="never" nodeType="tmRoot"/>
+      </p:par>
+    </p:tnLst>
+  </p:timing>
 </p:sld>
 </file>
 
@@ -7190,6 +7258,13 @@
   <p:clrMapOvr>
     <a:masterClrMapping/>
   </p:clrMapOvr>
+  <p:timing>
+    <p:tnLst>
+      <p:par>
+        <p:cTn id="1" dur="indefinite" restart="never" nodeType="tmRoot"/>
+      </p:par>
+    </p:tnLst>
+  </p:timing>
 </p:sld>
 </file>
 
@@ -7283,6 +7358,13 @@
   <p:clrMapOvr>
     <a:masterClrMapping/>
   </p:clrMapOvr>
+  <p:timing>
+    <p:tnLst>
+      <p:par>
+        <p:cTn id="1" dur="indefinite" restart="never" nodeType="tmRoot"/>
+      </p:par>
+    </p:tnLst>
+  </p:timing>
 </p:sld>
 </file>
 
@@ -7402,6 +7484,13 @@
   <p:clrMapOvr>
     <a:masterClrMapping/>
   </p:clrMapOvr>
+  <p:timing>
+    <p:tnLst>
+      <p:par>
+        <p:cTn id="1" dur="indefinite" restart="never" nodeType="tmRoot"/>
+      </p:par>
+    </p:tnLst>
+  </p:timing>
 </p:sld>
 </file>
 
@@ -7484,6 +7573,13 @@
   <p:clrMapOvr>
     <a:masterClrMapping/>
   </p:clrMapOvr>
+  <p:timing>
+    <p:tnLst>
+      <p:par>
+        <p:cTn id="1" dur="indefinite" restart="never" nodeType="tmRoot"/>
+      </p:par>
+    </p:tnLst>
+  </p:timing>
 </p:sld>
 </file>
 
